--- a/Interview.pptx
+++ b/Interview.pptx
@@ -12,8 +12,8 @@
     <p:sldId id="259" r:id="rId6"/>
     <p:sldId id="260" r:id="rId7"/>
     <p:sldId id="262" r:id="rId8"/>
-    <p:sldId id="267" r:id="rId9"/>
-    <p:sldId id="265" r:id="rId10"/>
+    <p:sldId id="265" r:id="rId9"/>
+    <p:sldId id="267" r:id="rId10"/>
     <p:sldId id="266" r:id="rId11"/>
     <p:sldId id="261" r:id="rId12"/>
   </p:sldIdLst>
@@ -196,7 +196,7 @@
           <a:p>
             <a:fld id="{7B0FC7B4-AB3D-4EA8-A9DB-2B61DC5F89CC}" type="datetime1">
               <a:rPr lang="nl-NL" smtClean="0"/>
-              <a:t>14-4-2015</a:t>
+              <a:t>16-4-2015</a:t>
             </a:fld>
             <a:endParaRPr lang="nl-NL" dirty="0"/>
           </a:p>
@@ -384,7 +384,7 @@
           <a:p>
             <a:fld id="{D3508A91-0AA4-4448-BAC6-5C0A4820891B}" type="datetime1">
               <a:rPr lang="nl-NL" smtClean="0"/>
-              <a:t>14-4-2015</a:t>
+              <a:t>16-4-2015</a:t>
             </a:fld>
             <a:endParaRPr lang="nl-NL"/>
           </a:p>
@@ -775,7 +775,7 @@
           <a:p>
             <a:fld id="{5782F50F-33B8-4739-B56D-053B6761C188}" type="datetime1">
               <a:rPr lang="nl-NL" smtClean="0"/>
-              <a:t>14-4-2015</a:t>
+              <a:t>16-4-2015</a:t>
             </a:fld>
             <a:endParaRPr lang="nl-NL" dirty="0"/>
           </a:p>
@@ -1299,7 +1299,7 @@
           <a:p>
             <a:fld id="{64DF3249-2596-41DD-AC27-B4E42227A895}" type="datetime1">
               <a:rPr lang="nl-NL" smtClean="0"/>
-              <a:t>14-4-2015</a:t>
+              <a:t>16-4-2015</a:t>
             </a:fld>
             <a:endParaRPr lang="nl-NL"/>
           </a:p>
@@ -1600,7 +1600,7 @@
           <a:p>
             <a:fld id="{C640B414-68E8-4BED-A816-61CF1D27D6F6}" type="datetime1">
               <a:rPr lang="nl-NL" smtClean="0"/>
-              <a:t>14-4-2015</a:t>
+              <a:t>16-4-2015</a:t>
             </a:fld>
             <a:endParaRPr lang="nl-NL"/>
           </a:p>
@@ -1900,7 +1900,7 @@
           <a:p>
             <a:fld id="{691C0250-0366-4ABB-9F54-0DECA15F9EB9}" type="datetime1">
               <a:rPr lang="nl-NL" smtClean="0"/>
-              <a:t>14-4-2015</a:t>
+              <a:t>16-4-2015</a:t>
             </a:fld>
             <a:endParaRPr lang="nl-NL"/>
           </a:p>
@@ -2414,7 +2414,7 @@
           <a:p>
             <a:fld id="{68CA71AE-DB5A-413C-9957-D767A30A8493}" type="datetime1">
               <a:rPr lang="nl-NL" smtClean="0"/>
-              <a:t>14-4-2015</a:t>
+              <a:t>16-4-2015</a:t>
             </a:fld>
             <a:endParaRPr lang="nl-NL"/>
           </a:p>
@@ -2604,7 +2604,7 @@
           <a:p>
             <a:fld id="{496F1E48-53BC-496C-9ECF-2639EA117A35}" type="datetime1">
               <a:rPr lang="nl-NL" smtClean="0"/>
-              <a:t>14-4-2015</a:t>
+              <a:t>16-4-2015</a:t>
             </a:fld>
             <a:endParaRPr lang="nl-NL"/>
           </a:p>
@@ -2794,7 +2794,7 @@
           <a:p>
             <a:fld id="{F0E39382-3410-4225-B7AE-D0C064EB9D80}" type="datetime1">
               <a:rPr lang="nl-NL" smtClean="0"/>
-              <a:t>14-4-2015</a:t>
+              <a:t>16-4-2015</a:t>
             </a:fld>
             <a:endParaRPr lang="nl-NL"/>
           </a:p>
@@ -3122,7 +3122,7 @@
           <a:p>
             <a:fld id="{E420C392-18A3-4D3A-8F13-5345CFE84C58}" type="datetime1">
               <a:rPr lang="nl-NL" smtClean="0"/>
-              <a:t>14-4-2015</a:t>
+              <a:t>16-4-2015</a:t>
             </a:fld>
             <a:endParaRPr lang="nl-NL"/>
           </a:p>
@@ -3370,7 +3370,7 @@
           <a:p>
             <a:fld id="{34FA34CE-40B4-4262-94ED-B5C177459006}" type="datetime1">
               <a:rPr lang="nl-NL" smtClean="0"/>
-              <a:t>14-4-2015</a:t>
+              <a:t>16-4-2015</a:t>
             </a:fld>
             <a:endParaRPr lang="nl-NL"/>
           </a:p>
@@ -3690,7 +3690,7 @@
           <a:p>
             <a:fld id="{6389DC7C-93CF-4008-82B6-142B047EFEF4}" type="datetime1">
               <a:rPr lang="nl-NL" smtClean="0"/>
-              <a:t>14-4-2015</a:t>
+              <a:t>16-4-2015</a:t>
             </a:fld>
             <a:endParaRPr lang="nl-NL" dirty="0"/>
           </a:p>
@@ -4148,28 +4148,8 @@
               <a:t>Timo </a:t>
             </a:r>
             <a:r>
-              <a:rPr lang="nl-NL" dirty="0" smtClean="0">
-                <a:solidFill>
-                  <a:srgbClr val="FF0000"/>
-                </a:solidFill>
-              </a:rPr>
-              <a:t>&lt;</a:t>
-            </a:r>
-            <a:r>
-              <a:rPr lang="nl-NL" dirty="0" err="1" smtClean="0">
-                <a:solidFill>
-                  <a:srgbClr val="FF0000"/>
-                </a:solidFill>
-              </a:rPr>
-              <a:t>insert</a:t>
-            </a:r>
-            <a:r>
-              <a:rPr lang="nl-NL" dirty="0" smtClean="0">
-                <a:solidFill>
-                  <a:srgbClr val="FF0000"/>
-                </a:solidFill>
-              </a:rPr>
-              <a:t> achternaam&gt;</a:t>
+              <a:rPr lang="nl-NL" dirty="0" err="1" smtClean="0"/>
+              <a:t>Snieder</a:t>
             </a:r>
             <a:endParaRPr lang="nl-NL" dirty="0">
               <a:solidFill>
@@ -4306,7 +4286,7 @@
           <a:p>
             <a:fld id="{64DF3249-2596-41DD-AC27-B4E42227A895}" type="datetime1">
               <a:rPr lang="nl-NL" smtClean="0"/>
-              <a:t>14-4-2015</a:t>
+              <a:t>16-4-2015</a:t>
             </a:fld>
             <a:endParaRPr lang="nl-NL"/>
           </a:p>
@@ -4328,8 +4308,12 @@
           <a:lstStyle/>
           <a:p>
             <a:r>
-              <a:rPr lang="nl-NL" smtClean="0"/>
-              <a:t>© Goldhill Publishing</a:t>
+              <a:rPr lang="nl-NL" dirty="0"/>
+              <a:t>//Interview Timo </a:t>
+            </a:r>
+            <a:r>
+              <a:rPr lang="nl-NL" dirty="0" err="1"/>
+              <a:t>Snieder</a:t>
             </a:r>
             <a:endParaRPr lang="nl-NL" dirty="0"/>
           </a:p>
@@ -4496,7 +4480,7 @@
           <a:p>
             <a:fld id="{64DF3249-2596-41DD-AC27-B4E42227A895}" type="datetime1">
               <a:rPr lang="nl-NL" smtClean="0"/>
-              <a:t>14-4-2015</a:t>
+              <a:t>16-4-2015</a:t>
             </a:fld>
             <a:endParaRPr lang="nl-NL"/>
           </a:p>
@@ -4518,8 +4502,12 @@
           <a:lstStyle/>
           <a:p>
             <a:r>
-              <a:rPr lang="nl-NL" smtClean="0"/>
-              <a:t>© Goldhill Publishing</a:t>
+              <a:rPr lang="nl-NL" dirty="0" smtClean="0"/>
+              <a:t>//Interview Timo </a:t>
+            </a:r>
+            <a:r>
+              <a:rPr lang="nl-NL" dirty="0" err="1" smtClean="0"/>
+              <a:t>Snieder</a:t>
             </a:r>
             <a:endParaRPr lang="nl-NL" dirty="0"/>
           </a:p>
@@ -4656,34 +4644,23 @@
               <a:t>Timo </a:t>
             </a:r>
             <a:r>
-              <a:rPr lang="nl-NL" dirty="0" smtClean="0">
-                <a:solidFill>
-                  <a:srgbClr val="FF0000"/>
-                </a:solidFill>
-              </a:rPr>
-              <a:t>&lt;</a:t>
-            </a:r>
-            <a:r>
-              <a:rPr lang="nl-NL" dirty="0" err="1" smtClean="0">
-                <a:solidFill>
-                  <a:srgbClr val="FF0000"/>
-                </a:solidFill>
-              </a:rPr>
-              <a:t>Insert</a:t>
-            </a:r>
-            <a:r>
-              <a:rPr lang="nl-NL" dirty="0" smtClean="0">
-                <a:solidFill>
-                  <a:srgbClr val="FF0000"/>
-                </a:solidFill>
-              </a:rPr>
-              <a:t> achternaam&gt;</a:t>
-            </a:r>
-          </a:p>
-          <a:p>
-            <a:r>
-              <a:rPr lang="nl-NL" dirty="0" smtClean="0"/>
-              <a:t>20 jaar oud</a:t>
+              <a:rPr lang="nl-NL" dirty="0" err="1"/>
+              <a:t>S</a:t>
+            </a:r>
+            <a:r>
+              <a:rPr lang="nl-NL" dirty="0" err="1" smtClean="0"/>
+              <a:t>nieder</a:t>
+            </a:r>
+            <a:endParaRPr lang="nl-NL" dirty="0"/>
+          </a:p>
+          <a:p>
+            <a:r>
+              <a:rPr lang="nl-NL" dirty="0" smtClean="0"/>
+              <a:t>20 </a:t>
+            </a:r>
+            <a:r>
+              <a:rPr lang="nl-NL" dirty="0" smtClean="0"/>
+              <a:t>jaar oud</a:t>
             </a:r>
           </a:p>
           <a:p>
@@ -4738,7 +4715,7 @@
           <a:p>
             <a:fld id="{64DF3249-2596-41DD-AC27-B4E42227A895}" type="datetime1">
               <a:rPr lang="nl-NL" smtClean="0"/>
-              <a:t>14-4-2015</a:t>
+              <a:t>16-4-2015</a:t>
             </a:fld>
             <a:endParaRPr lang="nl-NL"/>
           </a:p>
@@ -4760,8 +4737,12 @@
           <a:lstStyle/>
           <a:p>
             <a:r>
-              <a:rPr lang="nl-NL" smtClean="0"/>
-              <a:t>© Goldhill Publishing</a:t>
+              <a:rPr lang="nl-NL" dirty="0"/>
+              <a:t>//Interview Timo </a:t>
+            </a:r>
+            <a:r>
+              <a:rPr lang="nl-NL" dirty="0" err="1"/>
+              <a:t>Snieder</a:t>
             </a:r>
             <a:endParaRPr lang="nl-NL" dirty="0"/>
           </a:p>
@@ -4948,7 +4929,7 @@
           <a:p>
             <a:fld id="{64DF3249-2596-41DD-AC27-B4E42227A895}" type="datetime1">
               <a:rPr lang="nl-NL" smtClean="0"/>
-              <a:t>14-4-2015</a:t>
+              <a:t>16-4-2015</a:t>
             </a:fld>
             <a:endParaRPr lang="nl-NL"/>
           </a:p>
@@ -4970,8 +4951,12 @@
           <a:lstStyle/>
           <a:p>
             <a:r>
-              <a:rPr lang="nl-NL" smtClean="0"/>
-              <a:t>© Goldhill Publishing</a:t>
+              <a:rPr lang="nl-NL" dirty="0"/>
+              <a:t>//Interview Timo </a:t>
+            </a:r>
+            <a:r>
+              <a:rPr lang="nl-NL" dirty="0" err="1"/>
+              <a:t>Snieder</a:t>
             </a:r>
             <a:endParaRPr lang="nl-NL" dirty="0"/>
           </a:p>
@@ -5159,7 +5144,7 @@
           <a:p>
             <a:fld id="{64DF3249-2596-41DD-AC27-B4E42227A895}" type="datetime1">
               <a:rPr lang="nl-NL" smtClean="0"/>
-              <a:t>14-4-2015</a:t>
+              <a:t>16-4-2015</a:t>
             </a:fld>
             <a:endParaRPr lang="nl-NL"/>
           </a:p>
@@ -5181,8 +5166,12 @@
           <a:lstStyle/>
           <a:p>
             <a:r>
-              <a:rPr lang="nl-NL" smtClean="0"/>
-              <a:t>© Goldhill Publishing</a:t>
+              <a:rPr lang="nl-NL" dirty="0"/>
+              <a:t>//Interview Timo </a:t>
+            </a:r>
+            <a:r>
+              <a:rPr lang="nl-NL" dirty="0" err="1"/>
+              <a:t>Snieder</a:t>
             </a:r>
             <a:endParaRPr lang="nl-NL" dirty="0"/>
           </a:p>
@@ -5365,7 +5354,7 @@
           <a:p>
             <a:fld id="{64DF3249-2596-41DD-AC27-B4E42227A895}" type="datetime1">
               <a:rPr lang="nl-NL" smtClean="0"/>
-              <a:t>14-4-2015</a:t>
+              <a:t>16-4-2015</a:t>
             </a:fld>
             <a:endParaRPr lang="nl-NL"/>
           </a:p>
@@ -5387,8 +5376,12 @@
           <a:lstStyle/>
           <a:p>
             <a:r>
-              <a:rPr lang="nl-NL" smtClean="0"/>
-              <a:t>© Goldhill Publishing</a:t>
+              <a:rPr lang="nl-NL" dirty="0"/>
+              <a:t>//Interview Timo </a:t>
+            </a:r>
+            <a:r>
+              <a:rPr lang="nl-NL" dirty="0" err="1"/>
+              <a:t>Snieder</a:t>
             </a:r>
             <a:endParaRPr lang="nl-NL" dirty="0"/>
           </a:p>
@@ -5439,12 +5432,16 @@
               <a:t>Waar loopt </a:t>
             </a:r>
             <a:r>
-              <a:rPr lang="nl-NL" dirty="0" err="1" smtClean="0"/>
-              <a:t>timo</a:t>
-            </a:r>
-            <a:r>
-              <a:rPr lang="nl-NL" dirty="0" smtClean="0"/>
-              <a:t> stage</a:t>
+              <a:rPr lang="nl-NL" dirty="0"/>
+              <a:t>T</a:t>
+            </a:r>
+            <a:r>
+              <a:rPr lang="nl-NL" dirty="0" smtClean="0"/>
+              <a:t>imo </a:t>
+            </a:r>
+            <a:r>
+              <a:rPr lang="nl-NL" dirty="0" smtClean="0"/>
+              <a:t>stage</a:t>
             </a:r>
             <a:endParaRPr lang="nl-NL" dirty="0"/>
           </a:p>
@@ -5625,7 +5622,7 @@
           <a:p>
             <a:fld id="{64DF3249-2596-41DD-AC27-B4E42227A895}" type="datetime1">
               <a:rPr lang="nl-NL" smtClean="0"/>
-              <a:t>14-4-2015</a:t>
+              <a:t>16-4-2015</a:t>
             </a:fld>
             <a:endParaRPr lang="nl-NL"/>
           </a:p>
@@ -5647,8 +5644,12 @@
           <a:lstStyle/>
           <a:p>
             <a:r>
-              <a:rPr lang="nl-NL" smtClean="0"/>
-              <a:t>© Goldhill Publishing</a:t>
+              <a:rPr lang="nl-NL" dirty="0"/>
+              <a:t>//Interview Timo </a:t>
+            </a:r>
+            <a:r>
+              <a:rPr lang="nl-NL" dirty="0" err="1"/>
+              <a:t>Snieder</a:t>
             </a:r>
             <a:endParaRPr lang="nl-NL" dirty="0"/>
           </a:p>
@@ -5837,7 +5838,7 @@
           <a:p>
             <a:fld id="{64DF3249-2596-41DD-AC27-B4E42227A895}" type="datetime1">
               <a:rPr lang="nl-NL" smtClean="0"/>
-              <a:t>14-4-2015</a:t>
+              <a:t>16-4-2015</a:t>
             </a:fld>
             <a:endParaRPr lang="nl-NL"/>
           </a:p>
@@ -5859,8 +5860,12 @@
           <a:lstStyle/>
           <a:p>
             <a:r>
-              <a:rPr lang="nl-NL" smtClean="0"/>
-              <a:t>© Goldhill Publishing</a:t>
+              <a:rPr lang="nl-NL" dirty="0"/>
+              <a:t>//Interview Timo </a:t>
+            </a:r>
+            <a:r>
+              <a:rPr lang="nl-NL" dirty="0" err="1"/>
+              <a:t>Snieder</a:t>
             </a:r>
             <a:endParaRPr lang="nl-NL" dirty="0"/>
           </a:p>
@@ -5994,8 +5999,8 @@
         </p:blipFill>
         <p:spPr>
           <a:xfrm>
-            <a:off x="2255115" y="490754"/>
-            <a:ext cx="7678594" cy="5758945"/>
+            <a:off x="2230581" y="703191"/>
+            <a:ext cx="7360227" cy="5520170"/>
           </a:xfrm>
         </p:spPr>
       </p:pic>
@@ -6016,7 +6021,7 @@
           <a:p>
             <a:fld id="{64DF3249-2596-41DD-AC27-B4E42227A895}" type="datetime1">
               <a:rPr lang="nl-NL" smtClean="0"/>
-              <a:t>14-4-2015</a:t>
+              <a:t>16-4-2015</a:t>
             </a:fld>
             <a:endParaRPr lang="nl-NL"/>
           </a:p>
@@ -6038,8 +6043,12 @@
           <a:lstStyle/>
           <a:p>
             <a:r>
-              <a:rPr lang="nl-NL" smtClean="0"/>
-              <a:t>© Goldhill Publishing</a:t>
+              <a:rPr lang="nl-NL" dirty="0"/>
+              <a:t>//Interview Timo </a:t>
+            </a:r>
+            <a:r>
+              <a:rPr lang="nl-NL" dirty="0" err="1"/>
+              <a:t>Snieder</a:t>
             </a:r>
             <a:endParaRPr lang="nl-NL" dirty="0"/>
           </a:p>
@@ -6092,7 +6101,7 @@
     </p:spTree>
     <p:extLst>
       <p:ext uri="{BB962C8B-B14F-4D97-AF65-F5344CB8AC3E}">
-        <p14:creationId xmlns:p14="http://schemas.microsoft.com/office/powerpoint/2010/main" val="40021252"/>
+        <p14:creationId xmlns:p14="http://schemas.microsoft.com/office/powerpoint/2010/main" val="2512527949"/>
       </p:ext>
     </p:extLst>
   </p:cSld>
@@ -6169,8 +6178,8 @@
         </p:blipFill>
         <p:spPr>
           <a:xfrm>
-            <a:off x="2230581" y="703191"/>
-            <a:ext cx="7360227" cy="5520170"/>
+            <a:off x="2255115" y="490754"/>
+            <a:ext cx="7678594" cy="5758945"/>
           </a:xfrm>
         </p:spPr>
       </p:pic>
@@ -6191,7 +6200,7 @@
           <a:p>
             <a:fld id="{64DF3249-2596-41DD-AC27-B4E42227A895}" type="datetime1">
               <a:rPr lang="nl-NL" smtClean="0"/>
-              <a:t>14-4-2015</a:t>
+              <a:t>16-4-2015</a:t>
             </a:fld>
             <a:endParaRPr lang="nl-NL"/>
           </a:p>
@@ -6213,8 +6222,12 @@
           <a:lstStyle/>
           <a:p>
             <a:r>
-              <a:rPr lang="nl-NL" smtClean="0"/>
-              <a:t>© Goldhill Publishing</a:t>
+              <a:rPr lang="nl-NL" dirty="0"/>
+              <a:t>//Interview Timo </a:t>
+            </a:r>
+            <a:r>
+              <a:rPr lang="nl-NL" dirty="0" err="1"/>
+              <a:t>Snieder</a:t>
             </a:r>
             <a:endParaRPr lang="nl-NL" dirty="0"/>
           </a:p>
@@ -6267,7 +6280,7 @@
     </p:spTree>
     <p:extLst>
       <p:ext uri="{BB962C8B-B14F-4D97-AF65-F5344CB8AC3E}">
-        <p14:creationId xmlns:p14="http://schemas.microsoft.com/office/powerpoint/2010/main" val="2512527949"/>
+        <p14:creationId xmlns:p14="http://schemas.microsoft.com/office/powerpoint/2010/main" val="40021252"/>
       </p:ext>
     </p:extLst>
   </p:cSld>
